--- a/httk-logo.pptx
+++ b/httk-logo.pptx
@@ -104,6 +104,11 @@
       </a:defRPr>
     </a:lvl9pPr>
   </p:defaultTextStyle>
+  <p:extLst>
+    <p:ext uri="{EFAFB233-063F-42B5-8137-9DF3F51BA10A}">
+      <p15:sldGuideLst xmlns:p15="http://schemas.microsoft.com/office/powerpoint/2012/main"/>
+    </p:ext>
+  </p:extLst>
 </p:presentation>
 </file>
 
@@ -254,7 +259,7 @@
           <a:p>
             <a:fld id="{07C8A438-3DA9-433A-9C0E-F140E2B968EF}" type="datetimeFigureOut">
               <a:rPr lang="en-US" smtClean="0"/>
-              <a:t>2/25/2022</a:t>
+              <a:t>10/10/2023</a:t>
             </a:fld>
             <a:endParaRPr lang="en-US"/>
           </a:p>
@@ -452,7 +457,7 @@
           <a:p>
             <a:fld id="{07C8A438-3DA9-433A-9C0E-F140E2B968EF}" type="datetimeFigureOut">
               <a:rPr lang="en-US" smtClean="0"/>
-              <a:t>2/25/2022</a:t>
+              <a:t>10/10/2023</a:t>
             </a:fld>
             <a:endParaRPr lang="en-US"/>
           </a:p>
@@ -660,7 +665,7 @@
           <a:p>
             <a:fld id="{07C8A438-3DA9-433A-9C0E-F140E2B968EF}" type="datetimeFigureOut">
               <a:rPr lang="en-US" smtClean="0"/>
-              <a:t>2/25/2022</a:t>
+              <a:t>10/10/2023</a:t>
             </a:fld>
             <a:endParaRPr lang="en-US"/>
           </a:p>
@@ -858,7 +863,7 @@
           <a:p>
             <a:fld id="{07C8A438-3DA9-433A-9C0E-F140E2B968EF}" type="datetimeFigureOut">
               <a:rPr lang="en-US" smtClean="0"/>
-              <a:t>2/25/2022</a:t>
+              <a:t>10/10/2023</a:t>
             </a:fld>
             <a:endParaRPr lang="en-US"/>
           </a:p>
@@ -1133,7 +1138,7 @@
           <a:p>
             <a:fld id="{07C8A438-3DA9-433A-9C0E-F140E2B968EF}" type="datetimeFigureOut">
               <a:rPr lang="en-US" smtClean="0"/>
-              <a:t>2/25/2022</a:t>
+              <a:t>10/10/2023</a:t>
             </a:fld>
             <a:endParaRPr lang="en-US"/>
           </a:p>
@@ -1398,7 +1403,7 @@
           <a:p>
             <a:fld id="{07C8A438-3DA9-433A-9C0E-F140E2B968EF}" type="datetimeFigureOut">
               <a:rPr lang="en-US" smtClean="0"/>
-              <a:t>2/25/2022</a:t>
+              <a:t>10/10/2023</a:t>
             </a:fld>
             <a:endParaRPr lang="en-US"/>
           </a:p>
@@ -1810,7 +1815,7 @@
           <a:p>
             <a:fld id="{07C8A438-3DA9-433A-9C0E-F140E2B968EF}" type="datetimeFigureOut">
               <a:rPr lang="en-US" smtClean="0"/>
-              <a:t>2/25/2022</a:t>
+              <a:t>10/10/2023</a:t>
             </a:fld>
             <a:endParaRPr lang="en-US"/>
           </a:p>
@@ -1951,7 +1956,7 @@
           <a:p>
             <a:fld id="{07C8A438-3DA9-433A-9C0E-F140E2B968EF}" type="datetimeFigureOut">
               <a:rPr lang="en-US" smtClean="0"/>
-              <a:t>2/25/2022</a:t>
+              <a:t>10/10/2023</a:t>
             </a:fld>
             <a:endParaRPr lang="en-US"/>
           </a:p>
@@ -2064,7 +2069,7 @@
           <a:p>
             <a:fld id="{07C8A438-3DA9-433A-9C0E-F140E2B968EF}" type="datetimeFigureOut">
               <a:rPr lang="en-US" smtClean="0"/>
-              <a:t>2/25/2022</a:t>
+              <a:t>10/10/2023</a:t>
             </a:fld>
             <a:endParaRPr lang="en-US"/>
           </a:p>
@@ -2375,7 +2380,7 @@
           <a:p>
             <a:fld id="{07C8A438-3DA9-433A-9C0E-F140E2B968EF}" type="datetimeFigureOut">
               <a:rPr lang="en-US" smtClean="0"/>
-              <a:t>2/25/2022</a:t>
+              <a:t>10/10/2023</a:t>
             </a:fld>
             <a:endParaRPr lang="en-US"/>
           </a:p>
@@ -2663,7 +2668,7 @@
           <a:p>
             <a:fld id="{07C8A438-3DA9-433A-9C0E-F140E2B968EF}" type="datetimeFigureOut">
               <a:rPr lang="en-US" smtClean="0"/>
-              <a:t>2/25/2022</a:t>
+              <a:t>10/10/2023</a:t>
             </a:fld>
             <a:endParaRPr lang="en-US"/>
           </a:p>
@@ -2904,7 +2909,7 @@
           <a:p>
             <a:fld id="{07C8A438-3DA9-433A-9C0E-F140E2B968EF}" type="datetimeFigureOut">
               <a:rPr lang="en-US" smtClean="0"/>
-              <a:t>2/25/2022</a:t>
+              <a:t>10/10/2023</a:t>
             </a:fld>
             <a:endParaRPr lang="en-US"/>
           </a:p>
@@ -3321,6 +3326,53 @@
           <a:chExt cx="0" cy="0"/>
         </a:xfrm>
       </p:grpSpPr>
+      <p:pic>
+        <p:nvPicPr>
+          <p:cNvPr id="1034" name="Picture 10" descr="The logo | Unilever">
+            <a:extLst>
+              <a:ext uri="{FF2B5EF4-FFF2-40B4-BE49-F238E27FC236}">
+                <a16:creationId xmlns:a16="http://schemas.microsoft.com/office/drawing/2014/main" id="{8E4E0330-CED5-498B-BDC3-03FC03902318}"/>
+              </a:ext>
+            </a:extLst>
+          </p:cNvPr>
+          <p:cNvPicPr>
+            <a:picLocks noChangeAspect="1" noChangeArrowheads="1"/>
+          </p:cNvPicPr>
+          <p:nvPr/>
+        </p:nvPicPr>
+        <p:blipFill>
+          <a:blip r:embed="rId2">
+            <a:extLst>
+              <a:ext uri="{28A0092B-C50C-407E-A947-70E740481C1C}">
+                <a14:useLocalDpi xmlns:a14="http://schemas.microsoft.com/office/drawing/2010/main" val="0"/>
+              </a:ext>
+            </a:extLst>
+          </a:blip>
+          <a:srcRect/>
+          <a:stretch>
+            <a:fillRect/>
+          </a:stretch>
+        </p:blipFill>
+        <p:spPr bwMode="auto">
+          <a:xfrm>
+            <a:off x="7538928" y="731944"/>
+            <a:ext cx="961848" cy="726978"/>
+          </a:xfrm>
+          <a:prstGeom prst="rect">
+            <a:avLst/>
+          </a:prstGeom>
+          <a:noFill/>
+          <a:extLst>
+            <a:ext uri="{909E8E84-426E-40DD-AFC4-6F175D3DCCD1}">
+              <a14:hiddenFill xmlns:a14="http://schemas.microsoft.com/office/drawing/2010/main">
+                <a:solidFill>
+                  <a:srgbClr val="FFFFFF"/>
+                </a:solidFill>
+              </a14:hiddenFill>
+            </a:ext>
+          </a:extLst>
+        </p:spPr>
+      </p:pic>
       <p:sp>
         <p:nvSpPr>
           <p:cNvPr id="2" name="Title 1">
@@ -5334,7 +5386,7 @@
           <p:nvPr/>
         </p:nvPicPr>
         <p:blipFill rotWithShape="1">
-          <a:blip r:embed="rId2" cstate="print">
+          <a:blip r:embed="rId3" cstate="print">
             <a:extLst>
               <a:ext uri="{28A0092B-C50C-407E-A947-70E740481C1C}">
                 <a14:useLocalDpi xmlns:a14="http://schemas.microsoft.com/office/drawing/2010/main" val="0"/>
@@ -5346,7 +5398,7 @@
         </p:blipFill>
         <p:spPr bwMode="auto">
           <a:xfrm>
-            <a:off x="4133173" y="289855"/>
+            <a:off x="4224280" y="253798"/>
             <a:ext cx="1704000" cy="525231"/>
           </a:xfrm>
           <a:prstGeom prst="rect">
@@ -5379,7 +5431,7 @@
           <p:nvPr/>
         </p:nvPicPr>
         <p:blipFill rotWithShape="1">
-          <a:blip r:embed="rId3">
+          <a:blip r:embed="rId4">
             <a:extLst>
               <a:ext uri="{28A0092B-C50C-407E-A947-70E740481C1C}">
                 <a14:useLocalDpi xmlns:a14="http://schemas.microsoft.com/office/drawing/2010/main" val="0"/>
@@ -5391,8 +5443,8 @@
         </p:blipFill>
         <p:spPr bwMode="auto">
           <a:xfrm>
-            <a:off x="5915463" y="378879"/>
-            <a:ext cx="1619250" cy="459787"/>
+            <a:off x="5915463" y="310903"/>
+            <a:ext cx="1858644" cy="527763"/>
           </a:xfrm>
           <a:prstGeom prst="rect">
             <a:avLst/>
@@ -5424,7 +5476,7 @@
           <p:nvPr/>
         </p:nvPicPr>
         <p:blipFill>
-          <a:blip r:embed="rId4">
+          <a:blip r:embed="rId5">
             <a:extLst>
               <a:ext uri="{28A0092B-C50C-407E-A947-70E740481C1C}">
                 <a14:useLocalDpi xmlns:a14="http://schemas.microsoft.com/office/drawing/2010/main" val="0"/>
@@ -5438,7 +5490,7 @@
         </p:blipFill>
         <p:spPr bwMode="auto">
           <a:xfrm>
-            <a:off x="3500172" y="922896"/>
+            <a:off x="3633459" y="851027"/>
             <a:ext cx="1180468" cy="267011"/>
           </a:xfrm>
           <a:prstGeom prst="rect">
@@ -5458,98 +5510,6 @@
       </p:pic>
       <p:pic>
         <p:nvPicPr>
-          <p:cNvPr id="1032" name="Picture 8" descr="ILS Logo PNG Transparent &amp; SVG Vector - Freebie Supply">
-            <a:extLst>
-              <a:ext uri="{FF2B5EF4-FFF2-40B4-BE49-F238E27FC236}">
-                <a16:creationId xmlns:a16="http://schemas.microsoft.com/office/drawing/2014/main" id="{E36A118B-3BF8-413E-B201-D89B68B6F887}"/>
-              </a:ext>
-            </a:extLst>
-          </p:cNvPr>
-          <p:cNvPicPr>
-            <a:picLocks noChangeAspect="1" noChangeArrowheads="1"/>
-          </p:cNvPicPr>
-          <p:nvPr/>
-        </p:nvPicPr>
-        <p:blipFill rotWithShape="1">
-          <a:blip r:embed="rId5">
-            <a:extLst>
-              <a:ext uri="{28A0092B-C50C-407E-A947-70E740481C1C}">
-                <a14:useLocalDpi xmlns:a14="http://schemas.microsoft.com/office/drawing/2010/main" val="0"/>
-              </a:ext>
-            </a:extLst>
-          </a:blip>
-          <a:srcRect t="14732" b="17322"/>
-          <a:stretch/>
-        </p:blipFill>
-        <p:spPr bwMode="auto">
-          <a:xfrm>
-            <a:off x="3270315" y="1290150"/>
-            <a:ext cx="901076" cy="612234"/>
-          </a:xfrm>
-          <a:prstGeom prst="rect">
-            <a:avLst/>
-          </a:prstGeom>
-          <a:noFill/>
-          <a:extLst>
-            <a:ext uri="{909E8E84-426E-40DD-AFC4-6F175D3DCCD1}">
-              <a14:hiddenFill xmlns:a14="http://schemas.microsoft.com/office/drawing/2010/main">
-                <a:solidFill>
-                  <a:srgbClr val="FFFFFF"/>
-                </a:solidFill>
-              </a14:hiddenFill>
-            </a:ext>
-          </a:extLst>
-        </p:spPr>
-      </p:pic>
-      <p:pic>
-        <p:nvPicPr>
-          <p:cNvPr id="1034" name="Picture 10" descr="The logo | Unilever">
-            <a:extLst>
-              <a:ext uri="{FF2B5EF4-FFF2-40B4-BE49-F238E27FC236}">
-                <a16:creationId xmlns:a16="http://schemas.microsoft.com/office/drawing/2014/main" id="{8E4E0330-CED5-498B-BDC3-03FC03902318}"/>
-              </a:ext>
-            </a:extLst>
-          </p:cNvPr>
-          <p:cNvPicPr>
-            <a:picLocks noChangeAspect="1" noChangeArrowheads="1"/>
-          </p:cNvPicPr>
-          <p:nvPr/>
-        </p:nvPicPr>
-        <p:blipFill>
-          <a:blip r:embed="rId6">
-            <a:extLst>
-              <a:ext uri="{28A0092B-C50C-407E-A947-70E740481C1C}">
-                <a14:useLocalDpi xmlns:a14="http://schemas.microsoft.com/office/drawing/2010/main" val="0"/>
-              </a:ext>
-            </a:extLst>
-          </a:blip>
-          <a:srcRect/>
-          <a:stretch>
-            <a:fillRect/>
-          </a:stretch>
-        </p:blipFill>
-        <p:spPr bwMode="auto">
-          <a:xfrm>
-            <a:off x="8170124" y="1315097"/>
-            <a:ext cx="961848" cy="726978"/>
-          </a:xfrm>
-          <a:prstGeom prst="rect">
-            <a:avLst/>
-          </a:prstGeom>
-          <a:noFill/>
-          <a:extLst>
-            <a:ext uri="{909E8E84-426E-40DD-AFC4-6F175D3DCCD1}">
-              <a14:hiddenFill xmlns:a14="http://schemas.microsoft.com/office/drawing/2010/main">
-                <a:solidFill>
-                  <a:srgbClr val="FFFFFF"/>
-                </a:solidFill>
-              </a14:hiddenFill>
-            </a:ext>
-          </a:extLst>
-        </p:spPr>
-      </p:pic>
-      <p:pic>
-        <p:nvPicPr>
           <p:cNvPr id="32" name="Picture 31">
             <a:extLst>
               <a:ext uri="{FF2B5EF4-FFF2-40B4-BE49-F238E27FC236}">
@@ -5563,14 +5523,14 @@
           <p:nvPr/>
         </p:nvPicPr>
         <p:blipFill>
-          <a:blip r:embed="rId7"/>
+          <a:blip r:embed="rId6"/>
           <a:stretch>
             <a:fillRect/>
           </a:stretch>
         </p:blipFill>
         <p:spPr>
           <a:xfrm>
-            <a:off x="7601758" y="790133"/>
+            <a:off x="3039083" y="1722081"/>
             <a:ext cx="896112" cy="412415"/>
           </a:xfrm>
           <a:prstGeom prst="rect">
@@ -5593,7 +5553,7 @@
           <p:nvPr/>
         </p:nvPicPr>
         <p:blipFill rotWithShape="1">
-          <a:blip r:embed="rId8">
+          <a:blip r:embed="rId7">
             <a:extLst>
               <a:ext uri="{28A0092B-C50C-407E-A947-70E740481C1C}">
                 <a14:useLocalDpi xmlns:a14="http://schemas.microsoft.com/office/drawing/2010/main" val="0"/>
@@ -5605,7 +5565,7 @@
         </p:blipFill>
         <p:spPr bwMode="auto">
           <a:xfrm>
-            <a:off x="8611363" y="2093534"/>
+            <a:off x="2962563" y="1201487"/>
             <a:ext cx="1546960" cy="477203"/>
           </a:xfrm>
           <a:prstGeom prst="rect">
@@ -5638,7 +5598,7 @@
           <p:nvPr/>
         </p:nvPicPr>
         <p:blipFill rotWithShape="1">
-          <a:blip r:embed="rId9">
+          <a:blip r:embed="rId8">
             <a:extLst>
               <a:ext uri="{28A0092B-C50C-407E-A947-70E740481C1C}">
                 <a14:useLocalDpi xmlns:a14="http://schemas.microsoft.com/office/drawing/2010/main" val="0"/>
@@ -5650,8 +5610,100 @@
         </p:blipFill>
         <p:spPr bwMode="auto">
           <a:xfrm>
-            <a:off x="2263479" y="2029655"/>
-            <a:ext cx="1738790" cy="276500"/>
+            <a:off x="1227260" y="2206765"/>
+            <a:ext cx="2579736" cy="410226"/>
+          </a:xfrm>
+          <a:prstGeom prst="rect">
+            <a:avLst/>
+          </a:prstGeom>
+          <a:noFill/>
+          <a:extLst>
+            <a:ext uri="{909E8E84-426E-40DD-AFC4-6F175D3DCCD1}">
+              <a14:hiddenFill xmlns:a14="http://schemas.microsoft.com/office/drawing/2010/main">
+                <a:solidFill>
+                  <a:srgbClr val="FFFFFF"/>
+                </a:solidFill>
+              </a14:hiddenFill>
+            </a:ext>
+          </a:extLst>
+        </p:spPr>
+      </p:pic>
+      <p:pic>
+        <p:nvPicPr>
+          <p:cNvPr id="1026" name="Picture 2" descr="Make Big Things Possible: ICF Unveils Fresh New Brand | DeSantis Breindel">
+            <a:extLst>
+              <a:ext uri="{FF2B5EF4-FFF2-40B4-BE49-F238E27FC236}">
+                <a16:creationId xmlns:a16="http://schemas.microsoft.com/office/drawing/2014/main" id="{B4B211F9-6E1A-48D3-DB83-78D1253DAFF8}"/>
+              </a:ext>
+            </a:extLst>
+          </p:cNvPr>
+          <p:cNvPicPr>
+            <a:picLocks noChangeAspect="1" noChangeArrowheads="1"/>
+          </p:cNvPicPr>
+          <p:nvPr/>
+        </p:nvPicPr>
+        <p:blipFill>
+          <a:blip r:embed="rId9">
+            <a:extLst>
+              <a:ext uri="{28A0092B-C50C-407E-A947-70E740481C1C}">
+                <a14:useLocalDpi xmlns:a14="http://schemas.microsoft.com/office/drawing/2010/main" val="0"/>
+              </a:ext>
+            </a:extLst>
+          </a:blip>
+          <a:srcRect/>
+          <a:stretch>
+            <a:fillRect/>
+          </a:stretch>
+        </p:blipFill>
+        <p:spPr bwMode="auto">
+          <a:xfrm>
+            <a:off x="8216718" y="1410565"/>
+            <a:ext cx="767238" cy="619928"/>
+          </a:xfrm>
+          <a:prstGeom prst="rect">
+            <a:avLst/>
+          </a:prstGeom>
+          <a:noFill/>
+          <a:extLst>
+            <a:ext uri="{909E8E84-426E-40DD-AFC4-6F175D3DCCD1}">
+              <a14:hiddenFill xmlns:a14="http://schemas.microsoft.com/office/drawing/2010/main">
+                <a:solidFill>
+                  <a:srgbClr val="FFFFFF"/>
+                </a:solidFill>
+              </a14:hiddenFill>
+            </a:ext>
+          </a:extLst>
+        </p:spPr>
+      </p:pic>
+      <p:pic>
+        <p:nvPicPr>
+          <p:cNvPr id="3" name="Picture 4" descr="Inotiv | LinkedIn">
+            <a:extLst>
+              <a:ext uri="{FF2B5EF4-FFF2-40B4-BE49-F238E27FC236}">
+                <a16:creationId xmlns:a16="http://schemas.microsoft.com/office/drawing/2014/main" id="{87A4397B-3AD8-F226-3F60-CF2851518CA0}"/>
+              </a:ext>
+            </a:extLst>
+          </p:cNvPr>
+          <p:cNvPicPr>
+            <a:picLocks noChangeAspect="1" noChangeArrowheads="1"/>
+          </p:cNvPicPr>
+          <p:nvPr/>
+        </p:nvPicPr>
+        <p:blipFill rotWithShape="1">
+          <a:blip r:embed="rId10">
+            <a:extLst>
+              <a:ext uri="{28A0092B-C50C-407E-A947-70E740481C1C}">
+                <a14:useLocalDpi xmlns:a14="http://schemas.microsoft.com/office/drawing/2010/main" val="0"/>
+              </a:ext>
+            </a:extLst>
+          </a:blip>
+          <a:srcRect t="25262" b="23469"/>
+          <a:stretch/>
+        </p:blipFill>
+        <p:spPr bwMode="auto">
+          <a:xfrm>
+            <a:off x="8524619" y="2054835"/>
+            <a:ext cx="1284738" cy="658685"/>
           </a:xfrm>
           <a:prstGeom prst="rect">
             <a:avLst/>
